--- a/doc/hq-about.pptx
+++ b/doc/hq-about.pptx
@@ -3014,7 +3014,27 @@
                 <a:latin typeface="Calibri Light" panose="020F0302020204030204" pitchFamily="34" charset="0"/>
                 <a:cs typeface="Calibri Light" panose="020F0302020204030204" pitchFamily="34" charset="0"/>
               </a:rPr>
-              <a:t>project developer: krista vanderhorst, john klaassen, hannah muetzel</a:t>
+              <a:t>project </a:t>
+            </a:r>
+            <a:r>
+              <a:rPr lang="en-US" sz="2400" i="1" cap="small" dirty="0" smtClean="0">
+                <a:solidFill>
+                  <a:srgbClr val="848081"/>
+                </a:solidFill>
+                <a:latin typeface="Calibri Light" panose="020F0302020204030204" pitchFamily="34" charset="0"/>
+                <a:cs typeface="Calibri Light" panose="020F0302020204030204" pitchFamily="34" charset="0"/>
+              </a:rPr>
+              <a:t>developers: </a:t>
+            </a:r>
+            <a:r>
+              <a:rPr lang="en-US" sz="2400" i="1" cap="small" dirty="0" smtClean="0">
+                <a:solidFill>
+                  <a:srgbClr val="848081"/>
+                </a:solidFill>
+                <a:latin typeface="Calibri Light" panose="020F0302020204030204" pitchFamily="34" charset="0"/>
+                <a:cs typeface="Calibri Light" panose="020F0302020204030204" pitchFamily="34" charset="0"/>
+              </a:rPr>
+              <a:t>krista vanderhorst, john klaassen, hannah muetzel</a:t>
             </a:r>
             <a:endParaRPr lang="en-US" sz="2400" i="1" cap="small" dirty="0">
               <a:solidFill>
